--- a/Plan/Algorithm Study.pptx
+++ b/Plan/Algorithm Study.pptx
@@ -266,7 +266,7 @@
           <a:p>
             <a:fld id="{F699458D-4E1D-45A3-B198-6BFE16A1DE9A}" type="datetimeFigureOut">
               <a:rPr lang="ko-KR" altLang="en-US" smtClean="0"/>
-              <a:t>2020-07-27</a:t>
+              <a:t>2020-08-24</a:t>
             </a:fld>
             <a:endParaRPr lang="ko-KR" altLang="en-US"/>
           </a:p>
@@ -464,7 +464,7 @@
           <a:p>
             <a:fld id="{F699458D-4E1D-45A3-B198-6BFE16A1DE9A}" type="datetimeFigureOut">
               <a:rPr lang="ko-KR" altLang="en-US" smtClean="0"/>
-              <a:t>2020-07-27</a:t>
+              <a:t>2020-08-24</a:t>
             </a:fld>
             <a:endParaRPr lang="ko-KR" altLang="en-US"/>
           </a:p>
@@ -672,7 +672,7 @@
           <a:p>
             <a:fld id="{F699458D-4E1D-45A3-B198-6BFE16A1DE9A}" type="datetimeFigureOut">
               <a:rPr lang="ko-KR" altLang="en-US" smtClean="0"/>
-              <a:t>2020-07-27</a:t>
+              <a:t>2020-08-24</a:t>
             </a:fld>
             <a:endParaRPr lang="ko-KR" altLang="en-US"/>
           </a:p>
@@ -870,7 +870,7 @@
           <a:p>
             <a:fld id="{F699458D-4E1D-45A3-B198-6BFE16A1DE9A}" type="datetimeFigureOut">
               <a:rPr lang="ko-KR" altLang="en-US" smtClean="0"/>
-              <a:t>2020-07-27</a:t>
+              <a:t>2020-08-24</a:t>
             </a:fld>
             <a:endParaRPr lang="ko-KR" altLang="en-US"/>
           </a:p>
@@ -1145,7 +1145,7 @@
           <a:p>
             <a:fld id="{F699458D-4E1D-45A3-B198-6BFE16A1DE9A}" type="datetimeFigureOut">
               <a:rPr lang="ko-KR" altLang="en-US" smtClean="0"/>
-              <a:t>2020-07-27</a:t>
+              <a:t>2020-08-24</a:t>
             </a:fld>
             <a:endParaRPr lang="ko-KR" altLang="en-US"/>
           </a:p>
@@ -1410,7 +1410,7 @@
           <a:p>
             <a:fld id="{F699458D-4E1D-45A3-B198-6BFE16A1DE9A}" type="datetimeFigureOut">
               <a:rPr lang="ko-KR" altLang="en-US" smtClean="0"/>
-              <a:t>2020-07-27</a:t>
+              <a:t>2020-08-24</a:t>
             </a:fld>
             <a:endParaRPr lang="ko-KR" altLang="en-US"/>
           </a:p>
@@ -1822,7 +1822,7 @@
           <a:p>
             <a:fld id="{F699458D-4E1D-45A3-B198-6BFE16A1DE9A}" type="datetimeFigureOut">
               <a:rPr lang="ko-KR" altLang="en-US" smtClean="0"/>
-              <a:t>2020-07-27</a:t>
+              <a:t>2020-08-24</a:t>
             </a:fld>
             <a:endParaRPr lang="ko-KR" altLang="en-US"/>
           </a:p>
@@ -1963,7 +1963,7 @@
           <a:p>
             <a:fld id="{F699458D-4E1D-45A3-B198-6BFE16A1DE9A}" type="datetimeFigureOut">
               <a:rPr lang="ko-KR" altLang="en-US" smtClean="0"/>
-              <a:t>2020-07-27</a:t>
+              <a:t>2020-08-24</a:t>
             </a:fld>
             <a:endParaRPr lang="ko-KR" altLang="en-US"/>
           </a:p>
@@ -2076,7 +2076,7 @@
           <a:p>
             <a:fld id="{F699458D-4E1D-45A3-B198-6BFE16A1DE9A}" type="datetimeFigureOut">
               <a:rPr lang="ko-KR" altLang="en-US" smtClean="0"/>
-              <a:t>2020-07-27</a:t>
+              <a:t>2020-08-24</a:t>
             </a:fld>
             <a:endParaRPr lang="ko-KR" altLang="en-US"/>
           </a:p>
@@ -2387,7 +2387,7 @@
           <a:p>
             <a:fld id="{F699458D-4E1D-45A3-B198-6BFE16A1DE9A}" type="datetimeFigureOut">
               <a:rPr lang="ko-KR" altLang="en-US" smtClean="0"/>
-              <a:t>2020-07-27</a:t>
+              <a:t>2020-08-24</a:t>
             </a:fld>
             <a:endParaRPr lang="ko-KR" altLang="en-US"/>
           </a:p>
@@ -2675,7 +2675,7 @@
           <a:p>
             <a:fld id="{F699458D-4E1D-45A3-B198-6BFE16A1DE9A}" type="datetimeFigureOut">
               <a:rPr lang="ko-KR" altLang="en-US" smtClean="0"/>
-              <a:t>2020-07-27</a:t>
+              <a:t>2020-08-24</a:t>
             </a:fld>
             <a:endParaRPr lang="ko-KR" altLang="en-US"/>
           </a:p>
@@ -2916,7 +2916,7 @@
           <a:p>
             <a:fld id="{F699458D-4E1D-45A3-B198-6BFE16A1DE9A}" type="datetimeFigureOut">
               <a:rPr lang="ko-KR" altLang="en-US" smtClean="0"/>
-              <a:t>2020-07-27</a:t>
+              <a:t>2020-08-24</a:t>
             </a:fld>
             <a:endParaRPr lang="ko-KR" altLang="en-US"/>
           </a:p>
@@ -4530,6 +4530,16 @@
             </a:r>
           </a:p>
           <a:p>
+            <a:r>
+              <a:rPr lang="ko-KR" altLang="en-US" dirty="0"/>
+              <a:t>코딩테스트 하는 걸로</a:t>
+            </a:r>
+            <a:r>
+              <a:rPr lang="en-US" altLang="ko-KR" dirty="0"/>
+              <a:t>?</a:t>
+            </a:r>
+          </a:p>
+          <a:p>
             <a:endParaRPr lang="en-US" altLang="ko-KR" dirty="0"/>
           </a:p>
           <a:p>
